--- a/Slides/Lecture 8.pptx
+++ b/Slides/Lecture 8.pptx
@@ -3818,7 +3818,7 @@
                   <a:schemeClr val="accent1"/>
                 </a:solidFill>
               </a:rPr>
-              <a:t>Software Systems Engineering</a:t>
+              <a:t>Computer and Electrical Engineering (ECE)</a:t>
             </a:r>
           </a:p>
           <a:p>
@@ -14251,8 +14251,8 @@
           </a:p>
         </p:txBody>
       </p:sp>
-      <mc:AlternateContent xmlns:mc="http://schemas.openxmlformats.org/markup-compatibility/2006" xmlns:a14="http://schemas.microsoft.com/office/drawing/2010/main">
-        <mc:Choice Requires="a14">
+      <mc:AlternateContent xmlns:mc="http://schemas.openxmlformats.org/markup-compatibility/2006">
+        <mc:Choice xmlns:a14="http://schemas.microsoft.com/office/drawing/2010/main" Requires="a14">
           <p:sp>
             <p:nvSpPr>
               <p:cNvPr id="3" name="Content Placeholder 2">
@@ -14832,6 +14832,12 @@
                       </m:e>
                       <m:sup>
                         <m:r>
+                          <a:rPr lang="en-US" b="0" i="1" smtClean="0">
+                            <a:latin typeface="Cambria Math" panose="02040503050406030204" pitchFamily="18" charset="0"/>
+                          </a:rPr>
+                          <m:t>∗</m:t>
+                        </m:r>
+                        <m:r>
                           <a:rPr lang="en-US" i="1">
                             <a:latin typeface="Cambria Math" panose="02040503050406030204" pitchFamily="18" charset="0"/>
                           </a:rPr>
@@ -15003,6 +15009,12 @@
                         </m:r>
                       </m:e>
                       <m:sup>
+                        <m:r>
+                          <a:rPr lang="en-US" b="0" i="1" smtClean="0">
+                            <a:latin typeface="Cambria Math" panose="02040503050406030204" pitchFamily="18" charset="0"/>
+                          </a:rPr>
+                          <m:t>∗</m:t>
+                        </m:r>
                         <m:r>
                           <a:rPr lang="en-US" i="1">
                             <a:latin typeface="Cambria Math" panose="02040503050406030204" pitchFamily="18" charset="0"/>
@@ -15063,7 +15075,7 @@
             </p:txBody>
           </p:sp>
         </mc:Choice>
-        <mc:Fallback xmlns="">
+        <mc:Fallback>
           <p:sp>
             <p:nvSpPr>
               <p:cNvPr id="3" name="Content Placeholder 2">
@@ -17429,8 +17441,8 @@
           </a:p>
         </p:txBody>
       </p:sp>
-      <mc:AlternateContent xmlns:mc="http://schemas.openxmlformats.org/markup-compatibility/2006">
-        <mc:Choice xmlns:a14="http://schemas.microsoft.com/office/drawing/2010/main" Requires="a14">
+      <mc:AlternateContent xmlns:mc="http://schemas.openxmlformats.org/markup-compatibility/2006" xmlns:a14="http://schemas.microsoft.com/office/drawing/2010/main">
+        <mc:Choice Requires="a14">
           <p:sp>
             <p:nvSpPr>
               <p:cNvPr id="7" name="Content Placeholder 6">
@@ -18020,7 +18032,7 @@
             </p:txBody>
           </p:sp>
         </mc:Choice>
-        <mc:Fallback>
+        <mc:Fallback xmlns="">
           <p:sp>
             <p:nvSpPr>
               <p:cNvPr id="7" name="Content Placeholder 6">
